--- a/presentations/2022-11-Webinars/FHIR-Terminology-Part-3-2022-12-01.pptx
+++ b/presentations/2022-11-Webinars/FHIR-Terminology-Part-3-2022-12-01.pptx
@@ -9403,7 +9403,7 @@
             </a:br>
             <a:r>
               <a:rPr lang="en-US" dirty="0"/>
-              <a:t>Part 2 – Searching and Services</a:t>
+              <a:t>Part 3 – Further (Advanced) Topics</a:t>
             </a:r>
           </a:p>
           <a:p>
@@ -9474,7 +9474,7 @@
           <a:p>
             <a:r>
               <a:rPr lang="en-US" dirty="0"/>
-              <a:t>2022-11-30</a:t>
+              <a:t>2022-12-01</a:t>
             </a:r>
           </a:p>
           <a:p>
@@ -10348,7 +10348,7 @@
           <p:nvPr>
             <p:extLst>
               <p:ext uri="{D42A27DB-BD31-4B8C-83A1-F6EECF244321}">
-                <p14:modId xmlns:p14="http://schemas.microsoft.com/office/powerpoint/2010/main" val="353636172"/>
+                <p14:modId xmlns:p14="http://schemas.microsoft.com/office/powerpoint/2010/main" val="1503383080"/>
               </p:ext>
             </p:extLst>
           </p:nvPr>

--- a/presentations/2022-11-Webinars/FHIR-Terminology-Part-3-2022-12-01.pptx
+++ b/presentations/2022-11-Webinars/FHIR-Terminology-Part-3-2022-12-01.pptx
@@ -304,7 +304,7 @@
             <a:fld id="{1BCE7D1B-E2D6-42EC-A46F-6B8D8AB722EA}" type="datetime1">
               <a:rPr lang="en-US" altLang="en-US"/>
               <a:pPr/>
-              <a:t>11/29/22</a:t>
+              <a:t>12/4/22</a:t>
             </a:fld>
             <a:endParaRPr lang="en-US" altLang="en-US"/>
           </a:p>
@@ -535,7 +535,7 @@
             <a:fld id="{60D4D74E-7671-46E5-9A5B-14F31A4C0D2E}" type="datetime1">
               <a:rPr lang="en-US" altLang="en-US"/>
               <a:pPr/>
-              <a:t>11/29/22</a:t>
+              <a:t>12/4/22</a:t>
             </a:fld>
             <a:endParaRPr lang="en-US" altLang="en-US"/>
           </a:p>
@@ -1603,7 +1603,7 @@
           <a:p>
             <a:fld id="{23F303CC-BC6F-44EE-9A09-81F690F71D2E}" type="datetime1">
               <a:rPr lang="en-US" altLang="en-US" smtClean="0"/>
-              <a:t>11/29/22</a:t>
+              <a:t>12/4/22</a:t>
             </a:fld>
             <a:endParaRPr lang="en-US" altLang="en-US" dirty="0"/>
           </a:p>
@@ -8783,7 +8783,7 @@
           <a:p>
             <a:fld id="{7CE3BD8C-C39F-4FFF-9CD5-05E4806DBFF3}" type="datetime1">
               <a:rPr lang="en-US" altLang="en-US" smtClean="0"/>
-              <a:t>11/29/22</a:t>
+              <a:t>12/4/22</a:t>
             </a:fld>
             <a:endParaRPr lang="en-US" altLang="en-US"/>
           </a:p>
@@ -11173,7 +11173,13 @@
               <a:rPr lang="en-US" sz="1800" dirty="0">
                 <a:hlinkClick r:id="rId2"/>
               </a:rPr>
-              <a:t>https://github.com/FHIR/documents/blob/master/presentations/2022-11%20Webinars/HL7%20FHIR%20Terminology/FHIR-Terminology-Part-3-2022-12-01.pptx</a:t>
+              <a:t>https://github.com</a:t>
+            </a:r>
+            <a:r>
+              <a:rPr lang="en-US" sz="1800">
+                <a:hlinkClick r:id="rId2"/>
+              </a:rPr>
+              <a:t>/FHIR/documents/blob/master/presentations/2022-11-Webinars/FHIR-Terminology-Part-3-2022-12-01.pptx</a:t>
             </a:r>
             <a:endParaRPr lang="en-US" sz="1800" dirty="0"/>
           </a:p>
